--- a/BDDM_Matteo_Toma.pptx
+++ b/BDDM_Matteo_Toma.pptx
@@ -12660,7 +12660,7 @@
           </a:bodyPr>
           <a:lstStyle/>
           <a:p>
-            <a:pPr indent="0" algn="l">
+            <a:pPr indent="0">
               <a:buNone/>
             </a:pPr>
             <a:r>
@@ -15662,38 +15662,14 @@
               <a:buNone/>
             </a:pPr>
             <a:r>
-              <a:rPr lang="it-IT" sz="1600" dirty="0" err="1">
+              <a:rPr lang="it-IT" sz="1600" dirty="0">
                 <a:solidFill>
                   <a:srgbClr val="000000"/>
                 </a:solidFill>
                 <a:latin typeface="Times New Roman" panose="02020603050405020304" pitchFamily="18" charset="0"/>
               </a:rPr>
-              <a:t>Overview</a:t>
-            </a:r>
-            <a:r>
-              <a:rPr lang="it-IT" sz="1600" dirty="0">
-                <a:solidFill>
-                  <a:srgbClr val="000000"/>
-                </a:solidFill>
-                <a:latin typeface="Times New Roman" panose="02020603050405020304" pitchFamily="18" charset="0"/>
-              </a:rPr>
-              <a:t> of DL, DW and </a:t>
-            </a:r>
-            <a:r>
-              <a:rPr lang="it-IT" sz="1600" dirty="0" err="1">
-                <a:solidFill>
-                  <a:srgbClr val="000000"/>
-                </a:solidFill>
-                <a:latin typeface="Times New Roman" panose="02020603050405020304" pitchFamily="18" charset="0"/>
-              </a:rPr>
-              <a:t>DLHs</a:t>
-            </a:r>
-            <a:endParaRPr lang="it-IT" sz="1600" dirty="0">
-              <a:solidFill>
-                <a:srgbClr val="000000"/>
-              </a:solidFill>
-              <a:latin typeface="Times New Roman" panose="02020603050405020304" pitchFamily="18" charset="0"/>
-            </a:endParaRPr>
+              <a:t>Overview of DL, DW and DLHs</a:t>
+            </a:r>
           </a:p>
         </p:txBody>
       </p:sp>
@@ -16863,27 +16839,7 @@
                 <a:latin typeface="+mj-lt"/>
                 <a:hlinkClick r:id="rId12"/>
               </a:rPr>
-              <a:t>Data Warehouses vs. Data Lakes vs. Data </a:t>
-            </a:r>
-            <a:r>
-              <a:rPr lang="en-US" sz="1600" dirty="0" err="1">
-                <a:solidFill>
-                  <a:schemeClr val="dk1"/>
-                </a:solidFill>
-                <a:latin typeface="+mj-lt"/>
-                <a:hlinkClick r:id="rId12"/>
-              </a:rPr>
-              <a:t>Lakehouses</a:t>
-            </a:r>
-            <a:r>
-              <a:rPr lang="en-US" sz="1600" dirty="0">
-                <a:solidFill>
-                  <a:schemeClr val="dk1"/>
-                </a:solidFill>
-                <a:latin typeface="+mj-lt"/>
-                <a:hlinkClick r:id="rId12"/>
-              </a:rPr>
-              <a:t>.</a:t>
+              <a:t>Data Warehouses vs. Data Lakes vs. Data Lakehouses.</a:t>
             </a:r>
             <a:endParaRPr lang="en-US" sz="1600" dirty="0">
               <a:solidFill>
@@ -17648,40 +17604,13 @@
               <a:buNone/>
             </a:pPr>
             <a:r>
-              <a:rPr lang="it-IT" sz="1600" dirty="0" err="1">
+              <a:rPr lang="it-IT" sz="1600" dirty="0">
                 <a:solidFill>
                   <a:srgbClr val="000000"/>
                 </a:solidFill>
                 <a:latin typeface="Times New Roman" panose="02020603050405020304" pitchFamily="18" charset="0"/>
               </a:rPr>
-              <a:t>Example</a:t>
-            </a:r>
-            <a:r>
-              <a:rPr lang="it-IT" sz="1600" dirty="0">
-                <a:solidFill>
-                  <a:srgbClr val="000000"/>
-                </a:solidFill>
-                <a:latin typeface="Times New Roman" panose="02020603050405020304" pitchFamily="18" charset="0"/>
-              </a:rPr>
-              <a:t> </a:t>
-            </a:r>
-            <a:r>
-              <a:rPr lang="it-IT" sz="1600" dirty="0" err="1">
-                <a:solidFill>
-                  <a:srgbClr val="000000"/>
-                </a:solidFill>
-                <a:latin typeface="Times New Roman" panose="02020603050405020304" pitchFamily="18" charset="0"/>
-              </a:rPr>
-              <a:t>Graph</a:t>
-            </a:r>
-            <a:r>
-              <a:rPr lang="it-IT" sz="1600" dirty="0">
-                <a:solidFill>
-                  <a:srgbClr val="000000"/>
-                </a:solidFill>
-                <a:latin typeface="Times New Roman" panose="02020603050405020304" pitchFamily="18" charset="0"/>
-              </a:rPr>
-              <a:t> of APACHE nifi</a:t>
+              <a:t>Example Graph of APACHE nifi</a:t>
             </a:r>
           </a:p>
         </p:txBody>
@@ -19878,8 +19807,8 @@
         </p:blipFill>
         <p:spPr>
           <a:xfrm>
-            <a:off x="4701048" y="1984248"/>
-            <a:ext cx="407670" cy="407670"/>
+            <a:off x="4608756" y="2207800"/>
+            <a:ext cx="425061" cy="425061"/>
           </a:xfrm>
           <a:prstGeom prst="rect">
             <a:avLst/>
@@ -19914,7 +19843,7 @@
         </p:blipFill>
         <p:spPr>
           <a:xfrm>
-            <a:off x="27861" y="2577443"/>
+            <a:off x="-17607" y="2808352"/>
             <a:ext cx="451822" cy="451822"/>
           </a:xfrm>
           <a:prstGeom prst="rect">
@@ -20740,7 +20669,7 @@
         </p:blipFill>
         <p:spPr>
           <a:xfrm>
-            <a:off x="166313" y="3210404"/>
+            <a:off x="211172" y="3079807"/>
             <a:ext cx="473768" cy="473768"/>
           </a:xfrm>
           <a:prstGeom prst="rect">
